--- a/modules/PPT/ChiSquare_PPT2.pptx
+++ b/modules/PPT/ChiSquare_PPT2.pptx
@@ -3982,7 +3982,15 @@
             </a:r>
             <a:r>
               <a:rPr lang="en-US" dirty="0"/>
-              <a:t> “distribution of individuals into the levels is </a:t>
+              <a:t> “distribution of individuals into the </a:t>
+            </a:r>
+            <a:r>
+              <a:rPr lang="en-US" dirty="0" smtClean="0"/>
+              <a:t>levels of the response </a:t>
+            </a:r>
+            <a:r>
+              <a:rPr lang="en-US" dirty="0"/>
+              <a:t>is </a:t>
             </a:r>
             <a:r>
               <a:rPr lang="en-US" dirty="0" smtClean="0"/>
@@ -4008,8 +4016,21 @@
             </a:r>
             <a:r>
               <a:rPr lang="en-US" dirty="0"/>
-              <a:t> “distribution of individuals into levels is different for at least one pair of populations”</a:t>
-            </a:r>
+              <a:t> “distribution of individuals into </a:t>
+            </a:r>
+            <a:r>
+              <a:rPr lang="en-US" dirty="0" smtClean="0"/>
+              <a:t>levels of the response </a:t>
+            </a:r>
+            <a:r>
+              <a:rPr lang="en-US" dirty="0"/>
+              <a:t>is </a:t>
+            </a:r>
+            <a:r>
+              <a:rPr lang="en-US" dirty="0" smtClean="0"/>
+              <a:t>NOT the same for each population”</a:t>
+            </a:r>
+            <a:endParaRPr lang="en-US" dirty="0"/>
           </a:p>
           <a:p>
             <a:r>
@@ -4105,7 +4126,7 @@
           <a:graphicData uri="http://schemas.openxmlformats.org/presentationml/2006/ole">
             <mc:AlternateContent xmlns:mc="http://schemas.openxmlformats.org/markup-compatibility/2006">
               <mc:Choice xmlns:v="urn:schemas-microsoft-com:vml" Requires="v">
-                <p:oleObj spid="_x0000_s215080" name="Equation" r:id="rId3" imgW="1968500" imgH="457200" progId="Equation.3">
+                <p:oleObj spid="_x0000_s215083" name="Equation" r:id="rId3" imgW="1968500" imgH="457200" progId="Equation.3">
                   <p:embed/>
                 </p:oleObj>
               </mc:Choice>
@@ -4608,7 +4629,7 @@
 </file>
 
 <file path=ppt/slides/slide2.xml><?xml version="1.0" encoding="utf-8"?>
-<p:sld xmlns:a="http://schemas.openxmlformats.org/drawingml/2006/main" xmlns:r="http://schemas.openxmlformats.org/officeDocument/2006/relationships" xmlns:p="http://schemas.openxmlformats.org/presentationml/2006/main" showMasterPhAnim="0">
+<p:sld xmlns:a="http://schemas.openxmlformats.org/drawingml/2006/main" xmlns:r="http://schemas.openxmlformats.org/officeDocument/2006/relationships" xmlns:p="http://schemas.openxmlformats.org/presentationml/2006/main" showMasterPhAnim="0" show="0">
   <p:cSld>
     <p:spTree>
       <p:nvGrpSpPr>
@@ -4820,6 +4841,14 @@
   <p:clrMapOvr>
     <a:masterClrMapping/>
   </p:clrMapOvr>
+  <mc:AlternateContent xmlns:mc="http://schemas.openxmlformats.org/markup-compatibility/2006">
+    <mc:Choice xmlns:p14="http://schemas.microsoft.com/office/powerpoint/2010/main" Requires="p14">
+      <p:transition spd="slow" p14:dur="2000"/>
+    </mc:Choice>
+    <mc:Fallback>
+      <p:transition spd="slow"/>
+    </mc:Fallback>
+  </mc:AlternateContent>
   <p:timing>
     <p:tnLst>
       <p:par>
@@ -5562,8 +5591,21 @@
             </a:r>
             <a:r>
               <a:rPr lang="en-US" altLang="en-US" sz="2400" dirty="0" smtClean="0"/>
-              <a:t>: “There is NO difference in the distribution of predators into the two prey categories”</a:t>
-            </a:r>
+              <a:t>: </a:t>
+            </a:r>
+            <a:r>
+              <a:rPr lang="en-US" altLang="en-US" sz="2400" dirty="0" smtClean="0"/>
+              <a:t>“The </a:t>
+            </a:r>
+            <a:r>
+              <a:rPr lang="en-US" altLang="en-US" sz="2400" dirty="0" smtClean="0"/>
+              <a:t>distribution of predators into the two prey </a:t>
+            </a:r>
+            <a:r>
+              <a:rPr lang="en-US" altLang="en-US" sz="2400" dirty="0" smtClean="0"/>
+              <a:t>categories is the same for both predators”</a:t>
+            </a:r>
+            <a:endParaRPr lang="en-US" altLang="en-US" sz="2400" dirty="0" smtClean="0"/>
           </a:p>
           <a:p>
             <a:pPr lvl="1">
@@ -5585,16 +5627,21 @@
             </a:r>
             <a:r>
               <a:rPr lang="en-US" altLang="en-US" sz="2400" dirty="0"/>
-              <a:t>“There is </a:t>
+              <a:t>“</a:t>
             </a:r>
             <a:r>
               <a:rPr lang="en-US" altLang="en-US" sz="2400" dirty="0" smtClean="0"/>
-              <a:t>a difference </a:t>
+              <a:t>The </a:t>
             </a:r>
             <a:r>
               <a:rPr lang="en-US" altLang="en-US" sz="2400" dirty="0"/>
-              <a:t>in the distribution of predators into the two prey categories”</a:t>
-            </a:r>
+              <a:t>distribution of predators into the two prey </a:t>
+            </a:r>
+            <a:r>
+              <a:rPr lang="en-US" altLang="en-US" sz="2400" dirty="0" smtClean="0"/>
+              <a:t>categories is NOT the same for both predators”</a:t>
+            </a:r>
+            <a:endParaRPr lang="en-US" altLang="en-US" sz="2400" dirty="0"/>
           </a:p>
           <a:p>
             <a:pPr lvl="1">
@@ -5612,7 +5659,19 @@
             </a:pPr>
             <a:r>
               <a:rPr lang="en-US" altLang="en-US" sz="2400" dirty="0" smtClean="0"/>
-              <a:t>Alternatively …</a:t>
+              <a:t>Alternatively (</a:t>
+            </a:r>
+            <a:r>
+              <a:rPr lang="en-US" altLang="en-US" sz="2400" i="1" dirty="0" smtClean="0"/>
+              <a:t>when only two levels of response</a:t>
+            </a:r>
+            <a:r>
+              <a:rPr lang="en-US" altLang="en-US" sz="2400" dirty="0" smtClean="0"/>
+              <a:t>) </a:t>
+            </a:r>
+            <a:r>
+              <a:rPr lang="en-US" altLang="en-US" sz="2400" dirty="0" smtClean="0"/>
+              <a:t>…</a:t>
             </a:r>
           </a:p>
           <a:p>
@@ -5622,38 +5681,38 @@
               </a:lnSpc>
             </a:pPr>
             <a:r>
-              <a:rPr lang="en-US" altLang="en-US" sz="2000" dirty="0" smtClean="0"/>
+              <a:rPr lang="en-US" altLang="en-US" dirty="0" smtClean="0"/>
               <a:t>H</a:t>
             </a:r>
             <a:r>
-              <a:rPr lang="en-US" altLang="en-US" sz="2000" baseline="-25000" dirty="0" smtClean="0"/>
+              <a:rPr lang="en-US" altLang="en-US" baseline="-25000" dirty="0" smtClean="0"/>
               <a:t>0</a:t>
             </a:r>
             <a:r>
-              <a:rPr lang="en-US" altLang="en-US" sz="2000" dirty="0"/>
+              <a:rPr lang="en-US" altLang="en-US" dirty="0"/>
               <a:t>: </a:t>
             </a:r>
             <a:r>
-              <a:rPr lang="en-US" altLang="en-US" sz="2000" dirty="0" err="1"/>
+              <a:rPr lang="en-US" altLang="en-US" dirty="0" err="1"/>
               <a:t>p</a:t>
             </a:r>
             <a:r>
-              <a:rPr lang="en-US" altLang="en-US" sz="2000" baseline="-25000" dirty="0" err="1"/>
+              <a:rPr lang="en-US" altLang="en-US" baseline="-25000" dirty="0" err="1"/>
               <a:t>LT</a:t>
             </a:r>
             <a:r>
-              <a:rPr lang="en-US" altLang="en-US" sz="2000" dirty="0"/>
+              <a:rPr lang="en-US" altLang="en-US" dirty="0"/>
               <a:t> = </a:t>
             </a:r>
             <a:r>
-              <a:rPr lang="en-US" altLang="en-US" sz="2000" dirty="0" err="1"/>
+              <a:rPr lang="en-US" altLang="en-US" dirty="0" err="1"/>
               <a:t>p</a:t>
             </a:r>
             <a:r>
-              <a:rPr lang="en-US" altLang="en-US" sz="2000" baseline="-25000" dirty="0" err="1"/>
+              <a:rPr lang="en-US" altLang="en-US" baseline="-25000" dirty="0" err="1"/>
               <a:t>CS</a:t>
             </a:r>
-            <a:endParaRPr lang="en-US" altLang="en-US" sz="2000" baseline="-25000" dirty="0"/>
+            <a:endParaRPr lang="en-US" altLang="en-US" baseline="-25000" dirty="0"/>
           </a:p>
           <a:p>
             <a:pPr lvl="2">
@@ -5662,48 +5721,48 @@
               </a:lnSpc>
             </a:pPr>
             <a:r>
-              <a:rPr lang="en-US" altLang="en-US" sz="2000" dirty="0"/>
+              <a:rPr lang="en-US" altLang="en-US" dirty="0"/>
               <a:t>H</a:t>
             </a:r>
             <a:r>
-              <a:rPr lang="en-US" altLang="en-US" sz="2000" baseline="-25000" dirty="0"/>
+              <a:rPr lang="en-US" altLang="en-US" baseline="-25000" dirty="0"/>
               <a:t>A</a:t>
             </a:r>
             <a:r>
-              <a:rPr lang="en-US" altLang="en-US" sz="2000" dirty="0"/>
+              <a:rPr lang="en-US" altLang="en-US" dirty="0"/>
               <a:t>: </a:t>
             </a:r>
             <a:r>
-              <a:rPr lang="en-US" altLang="en-US" sz="2000" dirty="0" err="1"/>
+              <a:rPr lang="en-US" altLang="en-US" dirty="0" err="1"/>
               <a:t>p</a:t>
             </a:r>
             <a:r>
-              <a:rPr lang="en-US" altLang="en-US" sz="2000" baseline="-25000" dirty="0" err="1"/>
+              <a:rPr lang="en-US" altLang="en-US" baseline="-25000" dirty="0" err="1"/>
               <a:t>LT</a:t>
             </a:r>
             <a:r>
-              <a:rPr lang="en-US" altLang="en-US" sz="2000" dirty="0"/>
+              <a:rPr lang="en-US" altLang="en-US" dirty="0"/>
               <a:t> </a:t>
             </a:r>
             <a:r>
-              <a:rPr lang="en-US" altLang="en-US" sz="2000" dirty="0">
+              <a:rPr lang="en-US" altLang="en-US" dirty="0">
                 <a:cs typeface="Times New Roman" panose="02020603050405020304" pitchFamily="18" charset="0"/>
               </a:rPr>
               <a:t>≠</a:t>
             </a:r>
             <a:r>
-              <a:rPr lang="en-US" altLang="en-US" sz="2000" dirty="0"/>
+              <a:rPr lang="en-US" altLang="en-US" dirty="0"/>
               <a:t> </a:t>
             </a:r>
             <a:r>
-              <a:rPr lang="en-US" altLang="en-US" sz="2000" dirty="0" err="1"/>
+              <a:rPr lang="en-US" altLang="en-US" dirty="0" err="1"/>
               <a:t>p</a:t>
             </a:r>
             <a:r>
-              <a:rPr lang="en-US" altLang="en-US" sz="2000" baseline="-25000" dirty="0" err="1"/>
+              <a:rPr lang="en-US" altLang="en-US" baseline="-25000" dirty="0" err="1"/>
               <a:t>CS</a:t>
             </a:r>
-            <a:endParaRPr lang="en-US" altLang="en-US" sz="2000" baseline="-25000" dirty="0"/>
+            <a:endParaRPr lang="en-US" altLang="en-US" baseline="-25000" dirty="0"/>
           </a:p>
           <a:p>
             <a:pPr lvl="3">
@@ -5712,7 +5771,7 @@
               </a:lnSpc>
             </a:pPr>
             <a:r>
-              <a:rPr lang="en-US" altLang="en-US" sz="1600" dirty="0"/>
+              <a:rPr lang="en-US" altLang="en-US" sz="1800" dirty="0"/>
               <a:t>where p is the proportion that consumed lake herring</a:t>
             </a:r>
           </a:p>
@@ -5723,30 +5782,30 @@
               </a:lnSpc>
             </a:pPr>
             <a:r>
-              <a:rPr lang="en-US" altLang="en-US" sz="1600" dirty="0"/>
+              <a:rPr lang="en-US" altLang="en-US" sz="1800" dirty="0"/>
               <a:t>where LT = </a:t>
             </a:r>
             <a:r>
-              <a:rPr lang="en-US" altLang="en-US" sz="1600" dirty="0" smtClean="0"/>
+              <a:rPr lang="en-US" altLang="en-US" sz="1800" dirty="0" smtClean="0"/>
               <a:t>Lake Trout </a:t>
             </a:r>
             <a:r>
-              <a:rPr lang="en-US" altLang="en-US" sz="1600" dirty="0"/>
+              <a:rPr lang="en-US" altLang="en-US" sz="1800" dirty="0"/>
               <a:t>and CS = </a:t>
             </a:r>
             <a:r>
-              <a:rPr lang="en-US" altLang="en-US" sz="1600" dirty="0" smtClean="0"/>
+              <a:rPr lang="en-US" altLang="en-US" sz="1800" dirty="0" smtClean="0"/>
               <a:t>Chinook </a:t>
             </a:r>
             <a:r>
-              <a:rPr lang="en-US" altLang="en-US" sz="1600" dirty="0"/>
+              <a:rPr lang="en-US" altLang="en-US" sz="1800" dirty="0"/>
               <a:t>S</a:t>
             </a:r>
             <a:r>
-              <a:rPr lang="en-US" altLang="en-US" sz="1600" dirty="0" smtClean="0"/>
+              <a:rPr lang="en-US" altLang="en-US" sz="1800" dirty="0" smtClean="0"/>
               <a:t>almon</a:t>
             </a:r>
-            <a:endParaRPr lang="en-US" altLang="en-US" sz="1600" dirty="0"/>
+            <a:endParaRPr lang="en-US" altLang="en-US" sz="1800" dirty="0"/>
           </a:p>
         </p:txBody>
       </p:sp>
@@ -6878,7 +6937,7 @@
           <a:graphicData uri="http://schemas.openxmlformats.org/presentationml/2006/ole">
             <mc:AlternateContent xmlns:mc="http://schemas.openxmlformats.org/markup-compatibility/2006">
               <mc:Choice xmlns:v="urn:schemas-microsoft-com:vml" Requires="v">
-                <p:oleObj spid="_x0000_s216073" name="Worksheet" r:id="rId3" imgW="2104957" imgH="715979" progId="Excel.Sheet.8">
+                <p:oleObj spid="_x0000_s216076" name="Worksheet" r:id="rId3" imgW="2104957" imgH="715979" progId="Excel.Sheet.8">
                   <p:embed/>
                 </p:oleObj>
               </mc:Choice>
@@ -7865,16 +7924,29 @@
           <a:p>
             <a:pPr lvl="1"/>
             <a:r>
+              <a:rPr lang="en-US" altLang="en-US" sz="2400" u="sng" dirty="0" smtClean="0"/>
+              <a:t>Assumption met </a:t>
+            </a:r>
+            <a:r>
+              <a:rPr lang="en-US" altLang="en-US" sz="2400" dirty="0" smtClean="0"/>
+              <a:t>b/c each </a:t>
+            </a:r>
+            <a:r>
               <a:rPr lang="en-US" altLang="en-US" sz="2400" dirty="0"/>
-              <a:t>Each cell has an expected value greater than </a:t>
+              <a:t>cell </a:t>
+            </a:r>
+            <a:r>
+              <a:rPr lang="en-US" altLang="en-US" sz="2400" dirty="0" smtClean="0"/>
+              <a:t>has </a:t>
+            </a:r>
+            <a:r>
+              <a:rPr lang="en-US" altLang="en-US" sz="2400" dirty="0"/>
+              <a:t>expected value greater than </a:t>
             </a:r>
             <a:r>
               <a:rPr lang="en-US" altLang="en-US" sz="2400" dirty="0" smtClean="0"/>
               <a:t>5</a:t>
             </a:r>
-          </a:p>
-          <a:p>
-            <a:pPr lvl="1"/>
             <a:endParaRPr lang="en-US" altLang="en-US" sz="2400" dirty="0"/>
           </a:p>
           <a:p>
@@ -7967,7 +8039,7 @@
           <a:graphicData uri="http://schemas.openxmlformats.org/presentationml/2006/ole">
             <mc:AlternateContent xmlns:mc="http://schemas.openxmlformats.org/markup-compatibility/2006">
               <mc:Choice xmlns:v="urn:schemas-microsoft-com:vml" Requires="v">
-                <p:oleObj spid="_x0000_s218121" name="Worksheet" r:id="rId3" imgW="2104957" imgH="715979" progId="Excel.Sheet.8">
+                <p:oleObj spid="_x0000_s218125" name="Worksheet" r:id="rId3" imgW="2104957" imgH="715979" progId="Excel.Sheet.8">
                   <p:embed/>
                 </p:oleObj>
               </mc:Choice>
@@ -8267,6 +8339,343 @@
           </a:p>
         </p:txBody>
       </p:sp>
+      <p:grpSp>
+        <p:nvGrpSpPr>
+          <p:cNvPr id="29" name="Group 28"/>
+          <p:cNvGrpSpPr/>
+          <p:nvPr/>
+        </p:nvGrpSpPr>
+        <p:grpSpPr>
+          <a:xfrm>
+            <a:off x="1905000" y="5483546"/>
+            <a:ext cx="4483119" cy="1280160"/>
+            <a:chOff x="0" y="2408238"/>
+            <a:chExt cx="4724400" cy="1395542"/>
+          </a:xfrm>
+        </p:grpSpPr>
+        <p:graphicFrame>
+          <p:nvGraphicFramePr>
+            <p:cNvPr id="30" name="Object 4"/>
+            <p:cNvGraphicFramePr>
+              <a:graphicFrameLocks noChangeAspect="1"/>
+            </p:cNvGraphicFramePr>
+            <p:nvPr>
+              <p:extLst>
+                <p:ext uri="{D42A27DB-BD31-4B8C-83A1-F6EECF244321}">
+                  <p14:modId xmlns:p14="http://schemas.microsoft.com/office/powerpoint/2010/main" val="1506701757"/>
+                </p:ext>
+              </p:extLst>
+            </p:nvPr>
+          </p:nvGraphicFramePr>
+          <p:xfrm>
+            <a:off x="0" y="2408238"/>
+            <a:ext cx="4724400" cy="1337210"/>
+          </p:xfrm>
+          <a:graphic>
+            <a:graphicData uri="http://schemas.openxmlformats.org/presentationml/2006/ole">
+              <mc:AlternateContent xmlns:mc="http://schemas.openxmlformats.org/markup-compatibility/2006">
+                <mc:Choice xmlns:v="urn:schemas-microsoft-com:vml" Requires="v">
+                  <p:oleObj spid="_x0000_s218126" name="Worksheet" r:id="rId5" imgW="2104957" imgH="715979" progId="Excel.Sheet.8">
+                    <p:embed/>
+                  </p:oleObj>
+                </mc:Choice>
+                <mc:Fallback>
+                  <p:oleObj name="Worksheet" r:id="rId5" imgW="2104957" imgH="715979" progId="Excel.Sheet.8">
+                    <p:embed/>
+                    <p:pic>
+                      <p:nvPicPr>
+                        <p:cNvPr id="21" name="Object 4"/>
+                        <p:cNvPicPr>
+                          <a:picLocks noChangeAspect="1" noChangeArrowheads="1"/>
+                        </p:cNvPicPr>
+                        <p:nvPr/>
+                      </p:nvPicPr>
+                      <p:blipFill>
+                        <a:blip r:embed="rId4"/>
+                        <a:srcRect/>
+                        <a:stretch>
+                          <a:fillRect/>
+                        </a:stretch>
+                      </p:blipFill>
+                      <p:spPr bwMode="auto">
+                        <a:xfrm>
+                          <a:off x="0" y="2408238"/>
+                          <a:ext cx="4724400" cy="1337210"/>
+                        </a:xfrm>
+                        <a:prstGeom prst="rect">
+                          <a:avLst/>
+                        </a:prstGeom>
+                        <a:noFill/>
+                        <a:extLst/>
+                      </p:spPr>
+                    </p:pic>
+                  </p:oleObj>
+                </mc:Fallback>
+              </mc:AlternateContent>
+            </a:graphicData>
+          </a:graphic>
+        </p:graphicFrame>
+        <p:sp>
+          <p:nvSpPr>
+            <p:cNvPr id="31" name="Rectangle 30"/>
+            <p:cNvSpPr/>
+            <p:nvPr/>
+          </p:nvSpPr>
+          <p:spPr>
+            <a:xfrm>
+              <a:off x="4038599" y="2662852"/>
+              <a:ext cx="492443" cy="461665"/>
+            </a:xfrm>
+            <a:prstGeom prst="rect">
+              <a:avLst/>
+            </a:prstGeom>
+          </p:spPr>
+          <p:txBody>
+            <a:bodyPr wrap="none">
+              <a:spAutoFit/>
+            </a:bodyPr>
+            <a:lstStyle/>
+            <a:p>
+              <a:r>
+                <a:rPr lang="en-US" b="1" dirty="0"/>
+                <a:t>50</a:t>
+              </a:r>
+            </a:p>
+          </p:txBody>
+        </p:sp>
+        <p:sp>
+          <p:nvSpPr>
+            <p:cNvPr id="32" name="Rectangle 31"/>
+            <p:cNvSpPr/>
+            <p:nvPr/>
+          </p:nvSpPr>
+          <p:spPr>
+            <a:xfrm>
+              <a:off x="4051466" y="3020444"/>
+              <a:ext cx="492443" cy="461665"/>
+            </a:xfrm>
+            <a:prstGeom prst="rect">
+              <a:avLst/>
+            </a:prstGeom>
+          </p:spPr>
+          <p:txBody>
+            <a:bodyPr wrap="none">
+              <a:spAutoFit/>
+            </a:bodyPr>
+            <a:lstStyle/>
+            <a:p>
+              <a:r>
+                <a:rPr lang="en-US" b="1" dirty="0" smtClean="0"/>
+                <a:t>40</a:t>
+              </a:r>
+              <a:endParaRPr lang="en-US" b="1" dirty="0"/>
+            </a:p>
+          </p:txBody>
+        </p:sp>
+        <p:sp>
+          <p:nvSpPr>
+            <p:cNvPr id="33" name="Rectangle 32"/>
+            <p:cNvSpPr/>
+            <p:nvPr/>
+          </p:nvSpPr>
+          <p:spPr>
+            <a:xfrm>
+              <a:off x="1981199" y="2665459"/>
+              <a:ext cx="492443" cy="461665"/>
+            </a:xfrm>
+            <a:prstGeom prst="rect">
+              <a:avLst/>
+            </a:prstGeom>
+          </p:spPr>
+          <p:txBody>
+            <a:bodyPr wrap="none">
+              <a:spAutoFit/>
+            </a:bodyPr>
+            <a:lstStyle/>
+            <a:p>
+              <a:r>
+                <a:rPr lang="en-US" b="1" dirty="0" smtClean="0"/>
+                <a:t>36</a:t>
+              </a:r>
+              <a:endParaRPr lang="en-US" b="1" dirty="0"/>
+            </a:p>
+          </p:txBody>
+        </p:sp>
+        <p:sp>
+          <p:nvSpPr>
+            <p:cNvPr id="34" name="Rectangle 33"/>
+            <p:cNvSpPr/>
+            <p:nvPr/>
+          </p:nvSpPr>
+          <p:spPr>
+            <a:xfrm>
+              <a:off x="2971799" y="2665459"/>
+              <a:ext cx="492443" cy="461665"/>
+            </a:xfrm>
+            <a:prstGeom prst="rect">
+              <a:avLst/>
+            </a:prstGeom>
+          </p:spPr>
+          <p:txBody>
+            <a:bodyPr wrap="none">
+              <a:spAutoFit/>
+            </a:bodyPr>
+            <a:lstStyle/>
+            <a:p>
+              <a:r>
+                <a:rPr lang="en-US" b="1" dirty="0" smtClean="0"/>
+                <a:t>14</a:t>
+              </a:r>
+              <a:endParaRPr lang="en-US" b="1" dirty="0"/>
+            </a:p>
+          </p:txBody>
+        </p:sp>
+        <p:sp>
+          <p:nvSpPr>
+            <p:cNvPr id="35" name="Rectangle 34"/>
+            <p:cNvSpPr/>
+            <p:nvPr/>
+          </p:nvSpPr>
+          <p:spPr>
+            <a:xfrm>
+              <a:off x="1984922" y="2993012"/>
+              <a:ext cx="492443" cy="461665"/>
+            </a:xfrm>
+            <a:prstGeom prst="rect">
+              <a:avLst/>
+            </a:prstGeom>
+          </p:spPr>
+          <p:txBody>
+            <a:bodyPr wrap="none">
+              <a:spAutoFit/>
+            </a:bodyPr>
+            <a:lstStyle/>
+            <a:p>
+              <a:r>
+                <a:rPr lang="en-US" b="1" dirty="0" smtClean="0"/>
+                <a:t>24</a:t>
+              </a:r>
+              <a:endParaRPr lang="en-US" b="1" dirty="0"/>
+            </a:p>
+          </p:txBody>
+        </p:sp>
+        <p:sp>
+          <p:nvSpPr>
+            <p:cNvPr id="36" name="Rectangle 35"/>
+            <p:cNvSpPr/>
+            <p:nvPr/>
+          </p:nvSpPr>
+          <p:spPr>
+            <a:xfrm>
+              <a:off x="2986364" y="2995619"/>
+              <a:ext cx="492443" cy="461665"/>
+            </a:xfrm>
+            <a:prstGeom prst="rect">
+              <a:avLst/>
+            </a:prstGeom>
+          </p:spPr>
+          <p:txBody>
+            <a:bodyPr wrap="none">
+              <a:spAutoFit/>
+            </a:bodyPr>
+            <a:lstStyle/>
+            <a:p>
+              <a:r>
+                <a:rPr lang="en-US" b="1" dirty="0" smtClean="0"/>
+                <a:t>16</a:t>
+              </a:r>
+              <a:endParaRPr lang="en-US" b="1" dirty="0"/>
+            </a:p>
+          </p:txBody>
+        </p:sp>
+        <p:sp>
+          <p:nvSpPr>
+            <p:cNvPr id="37" name="Rectangle 36"/>
+            <p:cNvSpPr/>
+            <p:nvPr/>
+          </p:nvSpPr>
+          <p:spPr>
+            <a:xfrm>
+              <a:off x="2990087" y="3342115"/>
+              <a:ext cx="492443" cy="461665"/>
+            </a:xfrm>
+            <a:prstGeom prst="rect">
+              <a:avLst/>
+            </a:prstGeom>
+          </p:spPr>
+          <p:txBody>
+            <a:bodyPr wrap="none">
+              <a:spAutoFit/>
+            </a:bodyPr>
+            <a:lstStyle/>
+            <a:p>
+              <a:r>
+                <a:rPr lang="en-US" b="1" dirty="0" smtClean="0"/>
+                <a:t>30</a:t>
+              </a:r>
+              <a:endParaRPr lang="en-US" dirty="0"/>
+            </a:p>
+          </p:txBody>
+        </p:sp>
+        <p:sp>
+          <p:nvSpPr>
+            <p:cNvPr id="38" name="Rectangle 37"/>
+            <p:cNvSpPr/>
+            <p:nvPr/>
+          </p:nvSpPr>
+          <p:spPr>
+            <a:xfrm>
+              <a:off x="1981199" y="3342115"/>
+              <a:ext cx="492443" cy="461665"/>
+            </a:xfrm>
+            <a:prstGeom prst="rect">
+              <a:avLst/>
+            </a:prstGeom>
+          </p:spPr>
+          <p:txBody>
+            <a:bodyPr wrap="none">
+              <a:spAutoFit/>
+            </a:bodyPr>
+            <a:lstStyle/>
+            <a:p>
+              <a:r>
+                <a:rPr lang="en-US" b="1" dirty="0" smtClean="0"/>
+                <a:t>60</a:t>
+              </a:r>
+              <a:endParaRPr lang="en-US" dirty="0"/>
+            </a:p>
+          </p:txBody>
+        </p:sp>
+        <p:sp>
+          <p:nvSpPr>
+            <p:cNvPr id="39" name="Rectangle 38"/>
+            <p:cNvSpPr/>
+            <p:nvPr/>
+          </p:nvSpPr>
+          <p:spPr>
+            <a:xfrm>
+              <a:off x="4066031" y="3342115"/>
+              <a:ext cx="492443" cy="461665"/>
+            </a:xfrm>
+            <a:prstGeom prst="rect">
+              <a:avLst/>
+            </a:prstGeom>
+          </p:spPr>
+          <p:txBody>
+            <a:bodyPr wrap="none">
+              <a:spAutoFit/>
+            </a:bodyPr>
+            <a:lstStyle/>
+            <a:p>
+              <a:r>
+                <a:rPr lang="en-US" b="1" dirty="0" smtClean="0"/>
+                <a:t>90</a:t>
+              </a:r>
+              <a:endParaRPr lang="en-US" dirty="0"/>
+            </a:p>
+          </p:txBody>
+        </p:sp>
+      </p:grpSp>
     </p:spTree>
     <p:extLst>
       <p:ext uri="{BB962C8B-B14F-4D97-AF65-F5344CB8AC3E}">
@@ -8542,7 +8951,7 @@
                                         <p:tgtEl>
                                           <p:spTgt spid="192514">
                                             <p:txEl>
-                                              <p:pRg st="9" end="9"/>
+                                              <p:pRg st="8" end="8"/>
                                             </p:txEl>
                                           </p:spTgt>
                                         </p:tgtEl>
@@ -8582,9 +8991,45 @@
                                         <p:tgtEl>
                                           <p:spTgt spid="192514">
                                             <p:txEl>
-                                              <p:pRg st="10" end="10"/>
+                                              <p:pRg st="9" end="9"/>
                                             </p:txEl>
                                           </p:spTgt>
+                                        </p:tgtEl>
+                                        <p:attrNameLst>
+                                          <p:attrName>style.visibility</p:attrName>
+                                        </p:attrNameLst>
+                                      </p:cBhvr>
+                                      <p:to>
+                                        <p:strVal val="visible"/>
+                                      </p:to>
+                                    </p:set>
+                                  </p:childTnLst>
+                                </p:cTn>
+                              </p:par>
+                            </p:childTnLst>
+                          </p:cTn>
+                        </p:par>
+                        <p:par>
+                          <p:cTn id="30" fill="hold">
+                            <p:stCondLst>
+                              <p:cond delay="1000"/>
+                            </p:stCondLst>
+                            <p:childTnLst>
+                              <p:par>
+                                <p:cTn id="31" presetID="1" presetClass="entr" presetSubtype="0" fill="hold" nodeType="afterEffect">
+                                  <p:stCondLst>
+                                    <p:cond delay="0"/>
+                                  </p:stCondLst>
+                                  <p:childTnLst>
+                                    <p:set>
+                                      <p:cBhvr>
+                                        <p:cTn id="32" dur="1" fill="hold">
+                                          <p:stCondLst>
+                                            <p:cond delay="0"/>
+                                          </p:stCondLst>
+                                        </p:cTn>
+                                        <p:tgtEl>
+                                          <p:spTgt spid="29"/>
                                         </p:tgtEl>
                                         <p:attrNameLst>
                                           <p:attrName>style.visibility</p:attrName>
@@ -9006,7 +9451,7 @@
           <a:graphicData uri="http://schemas.openxmlformats.org/presentationml/2006/ole">
             <mc:AlternateContent xmlns:mc="http://schemas.openxmlformats.org/markup-compatibility/2006">
               <mc:Choice xmlns:v="urn:schemas-microsoft-com:vml" Requires="v">
-                <p:oleObj spid="_x0000_s219187" name="Equation" r:id="rId3" imgW="876240" imgH="431640" progId="Equation.3">
+                <p:oleObj spid="_x0000_s219208" name="Equation" r:id="rId3" imgW="876240" imgH="431640" progId="Equation.3">
                   <p:embed/>
                 </p:oleObj>
               </mc:Choice>
@@ -9099,7 +9544,7 @@
           <a:graphicData uri="http://schemas.openxmlformats.org/presentationml/2006/ole">
             <mc:AlternateContent xmlns:mc="http://schemas.openxmlformats.org/markup-compatibility/2006">
               <mc:Choice xmlns:v="urn:schemas-microsoft-com:vml" Requires="v">
-                <p:oleObj spid="_x0000_s219188" name="Equation" r:id="rId5" imgW="863280" imgH="431640" progId="Equation.3">
+                <p:oleObj spid="_x0000_s219209" name="Equation" r:id="rId5" imgW="863280" imgH="431640" progId="Equation.3">
                   <p:embed/>
                 </p:oleObj>
               </mc:Choice>
@@ -9192,7 +9637,7 @@
           <a:graphicData uri="http://schemas.openxmlformats.org/presentationml/2006/ole">
             <mc:AlternateContent xmlns:mc="http://schemas.openxmlformats.org/markup-compatibility/2006">
               <mc:Choice xmlns:v="urn:schemas-microsoft-com:vml" Requires="v">
-                <p:oleObj spid="_x0000_s219189" name="Equation" r:id="rId7" imgW="901440" imgH="431640" progId="Equation.3">
+                <p:oleObj spid="_x0000_s219210" name="Equation" r:id="rId7" imgW="901440" imgH="431640" progId="Equation.3">
                   <p:embed/>
                 </p:oleObj>
               </mc:Choice>
@@ -9285,7 +9730,7 @@
           <a:graphicData uri="http://schemas.openxmlformats.org/presentationml/2006/ole">
             <mc:AlternateContent xmlns:mc="http://schemas.openxmlformats.org/markup-compatibility/2006">
               <mc:Choice xmlns:v="urn:schemas-microsoft-com:vml" Requires="v">
-                <p:oleObj spid="_x0000_s219190" name="Equation" r:id="rId9" imgW="749160" imgH="431640" progId="Equation.3">
+                <p:oleObj spid="_x0000_s219211" name="Equation" r:id="rId9" imgW="749160" imgH="431640" progId="Equation.3">
                   <p:embed/>
                 </p:oleObj>
               </mc:Choice>
@@ -9640,7 +10085,7 @@
             <a:graphicData uri="http://schemas.openxmlformats.org/presentationml/2006/ole">
               <mc:AlternateContent xmlns:mc="http://schemas.openxmlformats.org/markup-compatibility/2006">
                 <mc:Choice xmlns:v="urn:schemas-microsoft-com:vml" Requires="v">
-                  <p:oleObj spid="_x0000_s219191" name="Worksheet" r:id="rId11" imgW="2104957" imgH="715979" progId="Excel.Sheet.8">
+                  <p:oleObj spid="_x0000_s219212" name="Worksheet" r:id="rId11" imgW="2104957" imgH="715979" progId="Excel.Sheet.8">
                     <p:embed/>
                   </p:oleObj>
                 </mc:Choice>
@@ -9977,7 +10422,7 @@
             <a:graphicData uri="http://schemas.openxmlformats.org/presentationml/2006/ole">
               <mc:AlternateContent xmlns:mc="http://schemas.openxmlformats.org/markup-compatibility/2006">
                 <mc:Choice xmlns:v="urn:schemas-microsoft-com:vml" Requires="v">
-                  <p:oleObj spid="_x0000_s219192" name="Worksheet" r:id="rId13" imgW="2104957" imgH="715979" progId="Excel.Sheet.8">
+                  <p:oleObj spid="_x0000_s219213" name="Worksheet" r:id="rId13" imgW="2104957" imgH="715979" progId="Excel.Sheet.8">
                     <p:embed/>
                   </p:oleObj>
                 </mc:Choice>
@@ -10300,7 +10745,7 @@
           <a:graphicData uri="http://schemas.openxmlformats.org/presentationml/2006/ole">
             <mc:AlternateContent xmlns:mc="http://schemas.openxmlformats.org/markup-compatibility/2006">
               <mc:Choice xmlns:v="urn:schemas-microsoft-com:vml" Requires="v">
-                <p:oleObj spid="_x0000_s219193" name="Equation" r:id="rId14" imgW="1968500" imgH="457200" progId="Equation.3">
+                <p:oleObj spid="_x0000_s219214" name="Equation" r:id="rId14" imgW="1968500" imgH="457200" progId="Equation.3">
                   <p:embed/>
                 </p:oleObj>
               </mc:Choice>
@@ -10350,6 +10795,277 @@
           </a:graphicData>
         </a:graphic>
       </p:graphicFrame>
+      <p:cxnSp>
+        <p:nvCxnSpPr>
+          <p:cNvPr id="5" name="Straight Arrow Connector 4"/>
+          <p:cNvCxnSpPr/>
+          <p:nvPr/>
+        </p:nvCxnSpPr>
+        <p:spPr bwMode="auto">
+          <a:xfrm flipH="1">
+            <a:off x="1600200" y="2769107"/>
+            <a:ext cx="508000" cy="1726693"/>
+          </a:xfrm>
+          <a:prstGeom prst="straightConnector1">
+            <a:avLst/>
+          </a:prstGeom>
+          <a:solidFill>
+            <a:schemeClr val="accent1"/>
+          </a:solidFill>
+          <a:ln w="50800" cap="flat" cmpd="sng" algn="ctr">
+            <a:solidFill>
+              <a:srgbClr val="FF0000"/>
+            </a:solidFill>
+            <a:prstDash val="solid"/>
+            <a:round/>
+            <a:headEnd type="none" w="med" len="med"/>
+            <a:tailEnd type="triangle"/>
+          </a:ln>
+          <a:effectLst/>
+        </p:spPr>
+      </p:cxnSp>
+      <p:cxnSp>
+        <p:nvCxnSpPr>
+          <p:cNvPr id="43" name="Straight Arrow Connector 42"/>
+          <p:cNvCxnSpPr/>
+          <p:nvPr/>
+        </p:nvCxnSpPr>
+        <p:spPr bwMode="auto">
+          <a:xfrm flipH="1">
+            <a:off x="2468229" y="2648475"/>
+            <a:ext cx="4049389" cy="1857697"/>
+          </a:xfrm>
+          <a:prstGeom prst="straightConnector1">
+            <a:avLst/>
+          </a:prstGeom>
+          <a:solidFill>
+            <a:schemeClr val="accent1"/>
+          </a:solidFill>
+          <a:ln w="50800" cap="flat" cmpd="sng" algn="ctr">
+            <a:solidFill>
+              <a:srgbClr val="FF0000"/>
+            </a:solidFill>
+            <a:prstDash val="solid"/>
+            <a:round/>
+            <a:headEnd type="none" w="med" len="med"/>
+            <a:tailEnd type="triangle"/>
+          </a:ln>
+          <a:effectLst/>
+        </p:spPr>
+      </p:cxnSp>
+      <p:cxnSp>
+        <p:nvCxnSpPr>
+          <p:cNvPr id="44" name="Straight Arrow Connector 43"/>
+          <p:cNvCxnSpPr/>
+          <p:nvPr/>
+        </p:nvCxnSpPr>
+        <p:spPr bwMode="auto">
+          <a:xfrm flipH="1">
+            <a:off x="2421207" y="2671247"/>
+            <a:ext cx="4082598" cy="2517337"/>
+          </a:xfrm>
+          <a:prstGeom prst="straightConnector1">
+            <a:avLst/>
+          </a:prstGeom>
+          <a:solidFill>
+            <a:schemeClr val="accent1"/>
+          </a:solidFill>
+          <a:ln w="50800" cap="flat" cmpd="sng" algn="ctr">
+            <a:solidFill>
+              <a:srgbClr val="FF0000"/>
+            </a:solidFill>
+            <a:prstDash val="solid"/>
+            <a:round/>
+            <a:headEnd type="none" w="med" len="med"/>
+            <a:tailEnd type="triangle"/>
+          </a:ln>
+          <a:effectLst/>
+        </p:spPr>
+      </p:cxnSp>
+      <p:sp>
+        <p:nvSpPr>
+          <p:cNvPr id="10" name="Oval 9"/>
+          <p:cNvSpPr/>
+          <p:nvPr/>
+        </p:nvSpPr>
+        <p:spPr bwMode="auto">
+          <a:xfrm>
+            <a:off x="-313767" y="2294433"/>
+            <a:ext cx="2228295" cy="794089"/>
+          </a:xfrm>
+          <a:prstGeom prst="ellipse">
+            <a:avLst/>
+          </a:prstGeom>
+          <a:noFill/>
+          <a:ln w="38100" cap="flat" cmpd="sng" algn="ctr">
+            <a:solidFill>
+              <a:srgbClr val="FF0000"/>
+            </a:solidFill>
+            <a:prstDash val="solid"/>
+            <a:round/>
+            <a:headEnd type="none" w="med" len="med"/>
+            <a:tailEnd type="none" w="med" len="med"/>
+          </a:ln>
+          <a:effectLst/>
+        </p:spPr>
+        <p:txBody>
+          <a:bodyPr vert="horz" wrap="square" lIns="91440" tIns="45720" rIns="91440" bIns="45720" numCol="1" rtlCol="0" anchor="t" anchorCtr="0" compatLnSpc="1">
+            <a:prstTxWarp prst="textNoShape">
+              <a:avLst/>
+            </a:prstTxWarp>
+          </a:bodyPr>
+          <a:lstStyle/>
+          <a:p>
+            <a:pPr marL="0" marR="0" indent="0" algn="l" defTabSz="914400" rtl="0" eaLnBrk="0" fontAlgn="base" latinLnBrk="0" hangingPunct="0">
+              <a:lnSpc>
+                <a:spcPct val="100000"/>
+              </a:lnSpc>
+              <a:spcBef>
+                <a:spcPct val="0"/>
+              </a:spcBef>
+              <a:spcAft>
+                <a:spcPct val="0"/>
+              </a:spcAft>
+              <a:buClrTx/>
+              <a:buSzTx/>
+              <a:buFontTx/>
+              <a:buNone/>
+              <a:tabLst/>
+            </a:pPr>
+            <a:endParaRPr kumimoji="0" lang="en-US" sz="2400" b="0" i="0" u="none" strike="noStrike" cap="none" normalizeH="0" baseline="0" smtClean="0">
+              <a:ln>
+                <a:noFill/>
+              </a:ln>
+              <a:solidFill>
+                <a:schemeClr val="tx1"/>
+              </a:solidFill>
+              <a:effectLst/>
+              <a:latin typeface="Times New Roman" pitchFamily="18" charset="0"/>
+            </a:endParaRPr>
+          </a:p>
+        </p:txBody>
+      </p:sp>
+      <p:cxnSp>
+        <p:nvCxnSpPr>
+          <p:cNvPr id="48" name="Straight Arrow Connector 47"/>
+          <p:cNvCxnSpPr/>
+          <p:nvPr/>
+        </p:nvCxnSpPr>
+        <p:spPr bwMode="auto">
+          <a:xfrm>
+            <a:off x="758266" y="3067277"/>
+            <a:ext cx="3029132" cy="3324930"/>
+          </a:xfrm>
+          <a:prstGeom prst="straightConnector1">
+            <a:avLst/>
+          </a:prstGeom>
+          <a:solidFill>
+            <a:schemeClr val="accent1"/>
+          </a:solidFill>
+          <a:ln w="50800" cap="flat" cmpd="sng" algn="ctr">
+            <a:solidFill>
+              <a:srgbClr val="FF0000"/>
+            </a:solidFill>
+            <a:prstDash val="solid"/>
+            <a:round/>
+            <a:headEnd type="none" w="med" len="med"/>
+            <a:tailEnd type="triangle"/>
+          </a:ln>
+          <a:effectLst/>
+        </p:spPr>
+      </p:cxnSp>
+      <p:sp>
+        <p:nvSpPr>
+          <p:cNvPr id="50" name="Oval 49"/>
+          <p:cNvSpPr/>
+          <p:nvPr/>
+        </p:nvSpPr>
+        <p:spPr bwMode="auto">
+          <a:xfrm>
+            <a:off x="1752600" y="1913433"/>
+            <a:ext cx="1896260" cy="639544"/>
+          </a:xfrm>
+          <a:prstGeom prst="ellipse">
+            <a:avLst/>
+          </a:prstGeom>
+          <a:noFill/>
+          <a:ln w="38100" cap="flat" cmpd="sng" algn="ctr">
+            <a:solidFill>
+              <a:srgbClr val="FF0000"/>
+            </a:solidFill>
+            <a:prstDash val="solid"/>
+            <a:round/>
+            <a:headEnd type="none" w="med" len="med"/>
+            <a:tailEnd type="none" w="med" len="med"/>
+          </a:ln>
+          <a:effectLst/>
+        </p:spPr>
+        <p:txBody>
+          <a:bodyPr vert="horz" wrap="square" lIns="91440" tIns="45720" rIns="91440" bIns="45720" numCol="1" rtlCol="0" anchor="t" anchorCtr="0" compatLnSpc="1">
+            <a:prstTxWarp prst="textNoShape">
+              <a:avLst/>
+            </a:prstTxWarp>
+          </a:bodyPr>
+          <a:lstStyle/>
+          <a:p>
+            <a:pPr marL="0" marR="0" indent="0" algn="l" defTabSz="914400" rtl="0" eaLnBrk="0" fontAlgn="base" latinLnBrk="0" hangingPunct="0">
+              <a:lnSpc>
+                <a:spcPct val="100000"/>
+              </a:lnSpc>
+              <a:spcBef>
+                <a:spcPct val="0"/>
+              </a:spcBef>
+              <a:spcAft>
+                <a:spcPct val="0"/>
+              </a:spcAft>
+              <a:buClrTx/>
+              <a:buSzTx/>
+              <a:buFontTx/>
+              <a:buNone/>
+              <a:tabLst/>
+            </a:pPr>
+            <a:endParaRPr kumimoji="0" lang="en-US" sz="2400" b="0" i="0" u="none" strike="noStrike" cap="none" normalizeH="0" baseline="0" smtClean="0">
+              <a:ln>
+                <a:noFill/>
+              </a:ln>
+              <a:solidFill>
+                <a:schemeClr val="tx1"/>
+              </a:solidFill>
+              <a:effectLst/>
+              <a:latin typeface="Times New Roman" pitchFamily="18" charset="0"/>
+            </a:endParaRPr>
+          </a:p>
+        </p:txBody>
+      </p:sp>
+      <p:cxnSp>
+        <p:nvCxnSpPr>
+          <p:cNvPr id="51" name="Straight Arrow Connector 50"/>
+          <p:cNvCxnSpPr/>
+          <p:nvPr/>
+        </p:nvCxnSpPr>
+        <p:spPr bwMode="auto">
+          <a:xfrm>
+            <a:off x="2630334" y="2570589"/>
+            <a:ext cx="2046275" cy="3799393"/>
+          </a:xfrm>
+          <a:prstGeom prst="straightConnector1">
+            <a:avLst/>
+          </a:prstGeom>
+          <a:solidFill>
+            <a:schemeClr val="accent1"/>
+          </a:solidFill>
+          <a:ln w="50800" cap="flat" cmpd="sng" algn="ctr">
+            <a:solidFill>
+              <a:srgbClr val="FF0000"/>
+            </a:solidFill>
+            <a:prstDash val="solid"/>
+            <a:round/>
+            <a:headEnd type="none" w="med" len="med"/>
+            <a:tailEnd type="triangle"/>
+          </a:ln>
+          <a:effectLst/>
+        </p:spPr>
+      </p:cxnSp>
     </p:spTree>
     <p:extLst>
       <p:ext uri="{BB962C8B-B14F-4D97-AF65-F5344CB8AC3E}">
@@ -10418,30 +11134,252 @@
                             </p:childTnLst>
                           </p:cTn>
                         </p:par>
+                        <p:par>
+                          <p:cTn id="8" fill="hold">
+                            <p:stCondLst>
+                              <p:cond delay="500"/>
+                            </p:stCondLst>
+                            <p:childTnLst>
+                              <p:par>
+                                <p:cTn id="9" presetID="22" presetClass="entr" presetSubtype="1" fill="hold" nodeType="afterEffect">
+                                  <p:stCondLst>
+                                    <p:cond delay="500"/>
+                                  </p:stCondLst>
+                                  <p:childTnLst>
+                                    <p:set>
+                                      <p:cBhvr>
+                                        <p:cTn id="10" dur="1" fill="hold">
+                                          <p:stCondLst>
+                                            <p:cond delay="0"/>
+                                          </p:stCondLst>
+                                        </p:cTn>
+                                        <p:tgtEl>
+                                          <p:spTgt spid="5"/>
+                                        </p:tgtEl>
+                                        <p:attrNameLst>
+                                          <p:attrName>style.visibility</p:attrName>
+                                        </p:attrNameLst>
+                                      </p:cBhvr>
+                                      <p:to>
+                                        <p:strVal val="visible"/>
+                                      </p:to>
+                                    </p:set>
+                                    <p:animEffect transition="in" filter="wipe(up)">
+                                      <p:cBhvr>
+                                        <p:cTn id="11" dur="500"/>
+                                        <p:tgtEl>
+                                          <p:spTgt spid="5"/>
+                                        </p:tgtEl>
+                                      </p:cBhvr>
+                                    </p:animEffect>
+                                  </p:childTnLst>
+                                </p:cTn>
+                              </p:par>
+                            </p:childTnLst>
+                          </p:cTn>
+                        </p:par>
+                        <p:par>
+                          <p:cTn id="12" fill="hold">
+                            <p:stCondLst>
+                              <p:cond delay="1500"/>
+                            </p:stCondLst>
+                            <p:childTnLst>
+                              <p:par>
+                                <p:cTn id="13" presetID="22" presetClass="entr" presetSubtype="2" fill="hold" nodeType="afterEffect">
+                                  <p:stCondLst>
+                                    <p:cond delay="500"/>
+                                  </p:stCondLst>
+                                  <p:childTnLst>
+                                    <p:set>
+                                      <p:cBhvr>
+                                        <p:cTn id="14" dur="1" fill="hold">
+                                          <p:stCondLst>
+                                            <p:cond delay="0"/>
+                                          </p:stCondLst>
+                                        </p:cTn>
+                                        <p:tgtEl>
+                                          <p:spTgt spid="43"/>
+                                        </p:tgtEl>
+                                        <p:attrNameLst>
+                                          <p:attrName>style.visibility</p:attrName>
+                                        </p:attrNameLst>
+                                      </p:cBhvr>
+                                      <p:to>
+                                        <p:strVal val="visible"/>
+                                      </p:to>
+                                    </p:set>
+                                    <p:animEffect transition="in" filter="wipe(right)">
+                                      <p:cBhvr>
+                                        <p:cTn id="15" dur="500"/>
+                                        <p:tgtEl>
+                                          <p:spTgt spid="43"/>
+                                        </p:tgtEl>
+                                      </p:cBhvr>
+                                    </p:animEffect>
+                                  </p:childTnLst>
+                                </p:cTn>
+                              </p:par>
+                            </p:childTnLst>
+                          </p:cTn>
+                        </p:par>
+                        <p:par>
+                          <p:cTn id="16" fill="hold">
+                            <p:stCondLst>
+                              <p:cond delay="2500"/>
+                            </p:stCondLst>
+                            <p:childTnLst>
+                              <p:par>
+                                <p:cTn id="17" presetID="22" presetClass="entr" presetSubtype="2" fill="hold" nodeType="afterEffect">
+                                  <p:stCondLst>
+                                    <p:cond delay="500"/>
+                                  </p:stCondLst>
+                                  <p:childTnLst>
+                                    <p:set>
+                                      <p:cBhvr>
+                                        <p:cTn id="18" dur="1" fill="hold">
+                                          <p:stCondLst>
+                                            <p:cond delay="0"/>
+                                          </p:stCondLst>
+                                        </p:cTn>
+                                        <p:tgtEl>
+                                          <p:spTgt spid="44"/>
+                                        </p:tgtEl>
+                                        <p:attrNameLst>
+                                          <p:attrName>style.visibility</p:attrName>
+                                        </p:attrNameLst>
+                                      </p:cBhvr>
+                                      <p:to>
+                                        <p:strVal val="visible"/>
+                                      </p:to>
+                                    </p:set>
+                                    <p:animEffect transition="in" filter="wipe(right)">
+                                      <p:cBhvr>
+                                        <p:cTn id="19" dur="500"/>
+                                        <p:tgtEl>
+                                          <p:spTgt spid="44"/>
+                                        </p:tgtEl>
+                                      </p:cBhvr>
+                                    </p:animEffect>
+                                  </p:childTnLst>
+                                </p:cTn>
+                              </p:par>
+                            </p:childTnLst>
+                          </p:cTn>
+                        </p:par>
                       </p:childTnLst>
                     </p:cTn>
                   </p:par>
                   <p:par>
-                    <p:cTn id="8" fill="hold">
+                    <p:cTn id="20" fill="hold">
                       <p:stCondLst>
                         <p:cond delay="indefinite"/>
                       </p:stCondLst>
                       <p:childTnLst>
                         <p:par>
-                          <p:cTn id="9" fill="hold" nodeType="afterGroup">
+                          <p:cTn id="21" fill="hold">
                             <p:stCondLst>
                               <p:cond delay="0"/>
                             </p:stCondLst>
                             <p:childTnLst>
                               <p:par>
-                                <p:cTn id="10" presetID="22" presetClass="entr" presetSubtype="8" fill="hold" nodeType="clickEffect">
+                                <p:cTn id="22" presetID="1" presetClass="exit" presetSubtype="0" fill="hold" nodeType="clickEffect">
                                   <p:stCondLst>
                                     <p:cond delay="0"/>
                                   </p:stCondLst>
                                   <p:childTnLst>
                                     <p:set>
                                       <p:cBhvr>
-                                        <p:cTn id="11" dur="1" fill="hold">
+                                        <p:cTn id="23" dur="1" fill="hold">
+                                          <p:stCondLst>
+                                            <p:cond delay="0"/>
+                                          </p:stCondLst>
+                                        </p:cTn>
+                                        <p:tgtEl>
+                                          <p:spTgt spid="5"/>
+                                        </p:tgtEl>
+                                        <p:attrNameLst>
+                                          <p:attrName>style.visibility</p:attrName>
+                                        </p:attrNameLst>
+                                      </p:cBhvr>
+                                      <p:to>
+                                        <p:strVal val="hidden"/>
+                                      </p:to>
+                                    </p:set>
+                                  </p:childTnLst>
+                                </p:cTn>
+                              </p:par>
+                              <p:par>
+                                <p:cTn id="24" presetID="1" presetClass="exit" presetSubtype="0" fill="hold" nodeType="withEffect">
+                                  <p:stCondLst>
+                                    <p:cond delay="0"/>
+                                  </p:stCondLst>
+                                  <p:childTnLst>
+                                    <p:set>
+                                      <p:cBhvr>
+                                        <p:cTn id="25" dur="1" fill="hold">
+                                          <p:stCondLst>
+                                            <p:cond delay="0"/>
+                                          </p:stCondLst>
+                                        </p:cTn>
+                                        <p:tgtEl>
+                                          <p:spTgt spid="43"/>
+                                        </p:tgtEl>
+                                        <p:attrNameLst>
+                                          <p:attrName>style.visibility</p:attrName>
+                                        </p:attrNameLst>
+                                      </p:cBhvr>
+                                      <p:to>
+                                        <p:strVal val="hidden"/>
+                                      </p:to>
+                                    </p:set>
+                                  </p:childTnLst>
+                                </p:cTn>
+                              </p:par>
+                              <p:par>
+                                <p:cTn id="26" presetID="1" presetClass="exit" presetSubtype="0" fill="hold" nodeType="withEffect">
+                                  <p:stCondLst>
+                                    <p:cond delay="0"/>
+                                  </p:stCondLst>
+                                  <p:childTnLst>
+                                    <p:set>
+                                      <p:cBhvr>
+                                        <p:cTn id="27" dur="1" fill="hold">
+                                          <p:stCondLst>
+                                            <p:cond delay="0"/>
+                                          </p:stCondLst>
+                                        </p:cTn>
+                                        <p:tgtEl>
+                                          <p:spTgt spid="44"/>
+                                        </p:tgtEl>
+                                        <p:attrNameLst>
+                                          <p:attrName>style.visibility</p:attrName>
+                                        </p:attrNameLst>
+                                      </p:cBhvr>
+                                      <p:to>
+                                        <p:strVal val="hidden"/>
+                                      </p:to>
+                                    </p:set>
+                                  </p:childTnLst>
+                                </p:cTn>
+                              </p:par>
+                            </p:childTnLst>
+                          </p:cTn>
+                        </p:par>
+                        <p:par>
+                          <p:cTn id="28" fill="hold" nodeType="afterGroup">
+                            <p:stCondLst>
+                              <p:cond delay="0"/>
+                            </p:stCondLst>
+                            <p:childTnLst>
+                              <p:par>
+                                <p:cTn id="29" presetID="22" presetClass="entr" presetSubtype="8" fill="hold" nodeType="afterEffect">
+                                  <p:stCondLst>
+                                    <p:cond delay="250"/>
+                                  </p:stCondLst>
+                                  <p:childTnLst>
+                                    <p:set>
+                                      <p:cBhvr>
+                                        <p:cTn id="30" dur="1" fill="hold">
                                           <p:stCondLst>
                                             <p:cond delay="0"/>
                                           </p:stCondLst>
@@ -10459,7 +11397,7 @@
                                     </p:set>
                                     <p:animEffect transition="in" filter="wipe(left)">
                                       <p:cBhvr>
-                                        <p:cTn id="12" dur="500"/>
+                                        <p:cTn id="31" dur="500"/>
                                         <p:tgtEl>
                                           <p:spTgt spid="193546"/>
                                         </p:tgtEl>
@@ -10475,26 +11413,26 @@
                     </p:cTn>
                   </p:par>
                   <p:par>
-                    <p:cTn id="13" fill="hold" nodeType="clickPar">
+                    <p:cTn id="32" fill="hold" nodeType="clickPar">
                       <p:stCondLst>
                         <p:cond delay="indefinite"/>
                       </p:stCondLst>
                       <p:childTnLst>
                         <p:par>
-                          <p:cTn id="14" fill="hold" nodeType="withGroup">
+                          <p:cTn id="33" fill="hold" nodeType="withGroup">
                             <p:stCondLst>
                               <p:cond delay="0"/>
                             </p:stCondLst>
                             <p:childTnLst>
                               <p:par>
-                                <p:cTn id="15" presetID="22" presetClass="entr" presetSubtype="8" fill="hold" nodeType="clickEffect">
+                                <p:cTn id="34" presetID="22" presetClass="entr" presetSubtype="8" fill="hold" nodeType="clickEffect">
                                   <p:stCondLst>
                                     <p:cond delay="0"/>
                                   </p:stCondLst>
                                   <p:childTnLst>
                                     <p:set>
                                       <p:cBhvr>
-                                        <p:cTn id="16" dur="1" fill="hold">
+                                        <p:cTn id="35" dur="1" fill="hold">
                                           <p:stCondLst>
                                             <p:cond delay="0"/>
                                           </p:stCondLst>
@@ -10512,7 +11450,7 @@
                                     </p:set>
                                     <p:animEffect transition="in" filter="wipe(left)">
                                       <p:cBhvr>
-                                        <p:cTn id="17" dur="500"/>
+                                        <p:cTn id="36" dur="500"/>
                                         <p:tgtEl>
                                           <p:spTgt spid="193547"/>
                                         </p:tgtEl>
@@ -10528,26 +11466,26 @@
                     </p:cTn>
                   </p:par>
                   <p:par>
-                    <p:cTn id="18" fill="hold" nodeType="clickPar">
+                    <p:cTn id="37" fill="hold" nodeType="clickPar">
                       <p:stCondLst>
                         <p:cond delay="indefinite"/>
                       </p:stCondLst>
                       <p:childTnLst>
                         <p:par>
-                          <p:cTn id="19" fill="hold" nodeType="withGroup">
+                          <p:cTn id="38" fill="hold" nodeType="withGroup">
                             <p:stCondLst>
                               <p:cond delay="0"/>
                             </p:stCondLst>
                             <p:childTnLst>
                               <p:par>
-                                <p:cTn id="20" presetID="22" presetClass="entr" presetSubtype="8" fill="hold" nodeType="clickEffect">
+                                <p:cTn id="39" presetID="22" presetClass="entr" presetSubtype="8" fill="hold" nodeType="clickEffect">
                                   <p:stCondLst>
                                     <p:cond delay="0"/>
                                   </p:stCondLst>
                                   <p:childTnLst>
                                     <p:set>
                                       <p:cBhvr>
-                                        <p:cTn id="21" dur="1" fill="hold">
+                                        <p:cTn id="40" dur="1" fill="hold">
                                           <p:stCondLst>
                                             <p:cond delay="0"/>
                                           </p:stCondLst>
@@ -10565,7 +11503,7 @@
                                     </p:set>
                                     <p:animEffect transition="in" filter="wipe(left)">
                                       <p:cBhvr>
-                                        <p:cTn id="22" dur="500"/>
+                                        <p:cTn id="41" dur="500"/>
                                         <p:tgtEl>
                                           <p:spTgt spid="193548"/>
                                         </p:tgtEl>
@@ -10581,26 +11519,26 @@
                     </p:cTn>
                   </p:par>
                   <p:par>
-                    <p:cTn id="23" fill="hold" nodeType="clickPar">
+                    <p:cTn id="42" fill="hold" nodeType="clickPar">
                       <p:stCondLst>
                         <p:cond delay="indefinite"/>
                       </p:stCondLst>
                       <p:childTnLst>
                         <p:par>
-                          <p:cTn id="24" fill="hold" nodeType="withGroup">
+                          <p:cTn id="43" fill="hold" nodeType="withGroup">
                             <p:stCondLst>
                               <p:cond delay="0"/>
                             </p:stCondLst>
                             <p:childTnLst>
                               <p:par>
-                                <p:cTn id="25" presetID="22" presetClass="entr" presetSubtype="8" fill="hold" grpId="0" nodeType="clickEffect">
+                                <p:cTn id="44" presetID="22" presetClass="entr" presetSubtype="8" fill="hold" grpId="0" nodeType="clickEffect">
                                   <p:stCondLst>
                                     <p:cond delay="0"/>
                                   </p:stCondLst>
                                   <p:childTnLst>
                                     <p:set>
                                       <p:cBhvr>
-                                        <p:cTn id="26" dur="1" fill="hold">
+                                        <p:cTn id="45" dur="1" fill="hold">
                                           <p:stCondLst>
                                             <p:cond delay="0"/>
                                           </p:stCondLst>
@@ -10618,7 +11556,7 @@
                                     </p:set>
                                     <p:animEffect transition="in" filter="wipe(left)">
                                       <p:cBhvr>
-                                        <p:cTn id="27" dur="500"/>
+                                        <p:cTn id="46" dur="500"/>
                                         <p:tgtEl>
                                           <p:spTgt spid="193549"/>
                                         </p:tgtEl>
@@ -10634,26 +11572,26 @@
                     </p:cTn>
                   </p:par>
                   <p:par>
-                    <p:cTn id="28" fill="hold" nodeType="clickPar">
+                    <p:cTn id="47" fill="hold" nodeType="clickPar">
                       <p:stCondLst>
                         <p:cond delay="indefinite"/>
                       </p:stCondLst>
                       <p:childTnLst>
                         <p:par>
-                          <p:cTn id="29" fill="hold" nodeType="withGroup">
+                          <p:cTn id="48" fill="hold" nodeType="withGroup">
                             <p:stCondLst>
                               <p:cond delay="0"/>
                             </p:stCondLst>
                             <p:childTnLst>
                               <p:par>
-                                <p:cTn id="30" presetID="22" presetClass="entr" presetSubtype="8" fill="hold" grpId="0" nodeType="clickEffect">
+                                <p:cTn id="49" presetID="22" presetClass="entr" presetSubtype="8" fill="hold" grpId="0" nodeType="clickEffect">
                                   <p:stCondLst>
                                     <p:cond delay="0"/>
                                   </p:stCondLst>
                                   <p:childTnLst>
                                     <p:set>
                                       <p:cBhvr>
-                                        <p:cTn id="31" dur="1" fill="hold">
+                                        <p:cTn id="50" dur="1" fill="hold">
                                           <p:stCondLst>
                                             <p:cond delay="0"/>
                                           </p:stCondLst>
@@ -10671,7 +11609,7 @@
                                     </p:set>
                                     <p:animEffect transition="in" filter="wipe(left)">
                                       <p:cBhvr>
-                                        <p:cTn id="32" dur="500"/>
+                                        <p:cTn id="51" dur="500"/>
                                         <p:tgtEl>
                                           <p:spTgt spid="193551"/>
                                         </p:tgtEl>
@@ -10687,26 +11625,26 @@
                     </p:cTn>
                   </p:par>
                   <p:par>
-                    <p:cTn id="33" fill="hold" nodeType="clickPar">
+                    <p:cTn id="52" fill="hold" nodeType="clickPar">
                       <p:stCondLst>
                         <p:cond delay="indefinite"/>
                       </p:stCondLst>
                       <p:childTnLst>
                         <p:par>
-                          <p:cTn id="34" fill="hold" nodeType="withGroup">
+                          <p:cTn id="53" fill="hold" nodeType="withGroup">
                             <p:stCondLst>
                               <p:cond delay="0"/>
                             </p:stCondLst>
                             <p:childTnLst>
                               <p:par>
-                                <p:cTn id="35" presetID="22" presetClass="entr" presetSubtype="8" fill="hold" grpId="0" nodeType="clickEffect">
+                                <p:cTn id="54" presetID="22" presetClass="entr" presetSubtype="8" fill="hold" grpId="0" nodeType="clickEffect">
                                   <p:stCondLst>
                                     <p:cond delay="0"/>
                                   </p:stCondLst>
                                   <p:childTnLst>
                                     <p:set>
                                       <p:cBhvr>
-                                        <p:cTn id="36" dur="1" fill="hold">
+                                        <p:cTn id="55" dur="1" fill="hold">
                                           <p:stCondLst>
                                             <p:cond delay="0"/>
                                           </p:stCondLst>
@@ -10724,9 +11662,169 @@
                                     </p:set>
                                     <p:animEffect transition="in" filter="wipe(left)">
                                       <p:cBhvr>
-                                        <p:cTn id="37" dur="500"/>
+                                        <p:cTn id="56" dur="500"/>
                                         <p:tgtEl>
                                           <p:spTgt spid="193540"/>
+                                        </p:tgtEl>
+                                      </p:cBhvr>
+                                    </p:animEffect>
+                                  </p:childTnLst>
+                                </p:cTn>
+                              </p:par>
+                            </p:childTnLst>
+                          </p:cTn>
+                        </p:par>
+                        <p:par>
+                          <p:cTn id="57" fill="hold">
+                            <p:stCondLst>
+                              <p:cond delay="500"/>
+                            </p:stCondLst>
+                            <p:childTnLst>
+                              <p:par>
+                                <p:cTn id="58" presetID="1" presetClass="entr" presetSubtype="0" fill="hold" grpId="0" nodeType="afterEffect">
+                                  <p:stCondLst>
+                                    <p:cond delay="750"/>
+                                  </p:stCondLst>
+                                  <p:childTnLst>
+                                    <p:set>
+                                      <p:cBhvr>
+                                        <p:cTn id="59" dur="1" fill="hold">
+                                          <p:stCondLst>
+                                            <p:cond delay="0"/>
+                                          </p:stCondLst>
+                                        </p:cTn>
+                                        <p:tgtEl>
+                                          <p:spTgt spid="10"/>
+                                        </p:tgtEl>
+                                        <p:attrNameLst>
+                                          <p:attrName>style.visibility</p:attrName>
+                                        </p:attrNameLst>
+                                      </p:cBhvr>
+                                      <p:to>
+                                        <p:strVal val="visible"/>
+                                      </p:to>
+                                    </p:set>
+                                  </p:childTnLst>
+                                </p:cTn>
+                              </p:par>
+                            </p:childTnLst>
+                          </p:cTn>
+                        </p:par>
+                        <p:par>
+                          <p:cTn id="60" fill="hold">
+                            <p:stCondLst>
+                              <p:cond delay="1250"/>
+                            </p:stCondLst>
+                            <p:childTnLst>
+                              <p:par>
+                                <p:cTn id="61" presetID="22" presetClass="entr" presetSubtype="1" fill="hold" nodeType="afterEffect">
+                                  <p:stCondLst>
+                                    <p:cond delay="250"/>
+                                  </p:stCondLst>
+                                  <p:childTnLst>
+                                    <p:set>
+                                      <p:cBhvr>
+                                        <p:cTn id="62" dur="1" fill="hold">
+                                          <p:stCondLst>
+                                            <p:cond delay="0"/>
+                                          </p:stCondLst>
+                                        </p:cTn>
+                                        <p:tgtEl>
+                                          <p:spTgt spid="48"/>
+                                        </p:tgtEl>
+                                        <p:attrNameLst>
+                                          <p:attrName>style.visibility</p:attrName>
+                                        </p:attrNameLst>
+                                      </p:cBhvr>
+                                      <p:to>
+                                        <p:strVal val="visible"/>
+                                      </p:to>
+                                    </p:set>
+                                    <p:animEffect transition="in" filter="wipe(up)">
+                                      <p:cBhvr>
+                                        <p:cTn id="63" dur="500"/>
+                                        <p:tgtEl>
+                                          <p:spTgt spid="48"/>
+                                        </p:tgtEl>
+                                      </p:cBhvr>
+                                    </p:animEffect>
+                                  </p:childTnLst>
+                                </p:cTn>
+                              </p:par>
+                            </p:childTnLst>
+                          </p:cTn>
+                        </p:par>
+                        <p:par>
+                          <p:cTn id="64" fill="hold">
+                            <p:stCondLst>
+                              <p:cond delay="2000"/>
+                            </p:stCondLst>
+                            <p:childTnLst>
+                              <p:par>
+                                <p:cTn id="65" presetID="1" presetClass="entr" presetSubtype="0" fill="hold" grpId="0" nodeType="afterEffect">
+                                  <p:stCondLst>
+                                    <p:cond delay="750"/>
+                                  </p:stCondLst>
+                                  <p:childTnLst>
+                                    <p:set>
+                                      <p:cBhvr>
+                                        <p:cTn id="66" dur="1" fill="hold">
+                                          <p:stCondLst>
+                                            <p:cond delay="0"/>
+                                          </p:stCondLst>
+                                        </p:cTn>
+                                        <p:tgtEl>
+                                          <p:spTgt spid="50"/>
+                                        </p:tgtEl>
+                                        <p:attrNameLst>
+                                          <p:attrName>style.visibility</p:attrName>
+                                        </p:attrNameLst>
+                                      </p:cBhvr>
+                                      <p:to>
+                                        <p:strVal val="visible"/>
+                                      </p:to>
+                                    </p:set>
+                                  </p:childTnLst>
+                                </p:cTn>
+                              </p:par>
+                            </p:childTnLst>
+                          </p:cTn>
+                        </p:par>
+                        <p:par>
+                          <p:cTn id="67" fill="hold">
+                            <p:stCondLst>
+                              <p:cond delay="2750"/>
+                            </p:stCondLst>
+                            <p:childTnLst>
+                              <p:par>
+                                <p:cTn id="68" presetID="22" presetClass="entr" presetSubtype="1" fill="hold" nodeType="afterEffect">
+                                  <p:stCondLst>
+                                    <p:cond delay="250"/>
+                                  </p:stCondLst>
+                                  <p:childTnLst>
+                                    <p:set>
+                                      <p:cBhvr>
+                                        <p:cTn id="69" dur="1" fill="hold">
+                                          <p:stCondLst>
+                                            <p:cond delay="0"/>
+                                          </p:stCondLst>
+                                        </p:cTn>
+                                        <p:tgtEl>
+                                          <p:spTgt spid="51"/>
+                                        </p:tgtEl>
+                                        <p:attrNameLst>
+                                          <p:attrName>style.visibility</p:attrName>
+                                        </p:attrNameLst>
+                                      </p:cBhvr>
+                                      <p:to>
+                                        <p:strVal val="visible"/>
+                                      </p:to>
+                                    </p:set>
+                                    <p:animEffect transition="in" filter="wipe(up)">
+                                      <p:cBhvr>
+                                        <p:cTn id="70" dur="500"/>
+                                        <p:tgtEl>
+                                          <p:spTgt spid="51"/>
                                         </p:tgtEl>
                                       </p:cBhvr>
                                     </p:animEffect>
@@ -10764,6 +11862,8 @@
       <p:bldP spid="193540" grpId="0" autoUpdateAnimBg="0"/>
       <p:bldP spid="193549" grpId="0" autoUpdateAnimBg="0"/>
       <p:bldP spid="193551" grpId="0" autoUpdateAnimBg="0"/>
+      <p:bldP spid="10" grpId="0" animBg="1"/>
+      <p:bldP spid="50" grpId="0" animBg="1"/>
     </p:bldLst>
   </p:timing>
 </p:sld>
